--- a/assets/photos_gbdt/公式源文件.pptx
+++ b/assets/photos_gbdt/公式源文件.pptx
@@ -10,6 +10,8 @@
     <p:sldId id="259" r:id="rId4"/>
     <p:sldId id="261" r:id="rId5"/>
     <p:sldId id="262" r:id="rId6"/>
+    <p:sldId id="263" r:id="rId7"/>
+    <p:sldId id="264" r:id="rId8"/>
   </p:sldIdLst>
   <p:sldSz cx="12192000" cy="6858000"/>
   <p:notesSz cx="6858000" cy="9144000"/>
@@ -5639,6 +5641,686 @@
 </p:sld>
 </file>
 
+<file path=ppt/slides/slide6.xml><?xml version="1.0" encoding="utf-8"?>
+<p:sld xmlns:a="http://schemas.openxmlformats.org/drawingml/2006/main" xmlns:r="http://schemas.openxmlformats.org/officeDocument/2006/relationships" xmlns:p="http://schemas.openxmlformats.org/presentationml/2006/main">
+  <p:cSld>
+    <p:spTree>
+      <p:nvGrpSpPr>
+        <p:cNvPr id="1" name=""/>
+        <p:cNvGrpSpPr/>
+        <p:nvPr/>
+      </p:nvGrpSpPr>
+      <p:grpSpPr>
+        <a:xfrm>
+          <a:off x="0" y="0"/>
+          <a:ext cx="0" cy="0"/>
+          <a:chOff x="0" y="0"/>
+          <a:chExt cx="0" cy="0"/>
+        </a:xfrm>
+      </p:grpSpPr>
+      <p:pic>
+        <p:nvPicPr>
+          <p:cNvPr id="5" name="Picture 4">
+            <a:extLst>
+              <a:ext uri="{FF2B5EF4-FFF2-40B4-BE49-F238E27FC236}">
+                <a16:creationId xmlns:a16="http://schemas.microsoft.com/office/drawing/2014/main" id="{6B833DCF-1196-094E-8DEE-4C261485209B}"/>
+              </a:ext>
+            </a:extLst>
+          </p:cNvPr>
+          <p:cNvPicPr>
+            <a:picLocks noChangeAspect="1"/>
+          </p:cNvPicPr>
+          <p:nvPr/>
+        </p:nvPicPr>
+        <p:blipFill>
+          <a:blip r:embed="rId2">
+            <a:extLst>
+              <a:ext uri="{28A0092B-C50C-407E-A947-70E740481C1C}">
+                <a14:useLocalDpi xmlns:a14="http://schemas.microsoft.com/office/drawing/2010/main" val="0"/>
+              </a:ext>
+            </a:extLst>
+          </a:blip>
+          <a:stretch>
+            <a:fillRect/>
+          </a:stretch>
+        </p:blipFill>
+        <p:spPr>
+          <a:xfrm>
+            <a:off x="1979246" y="382465"/>
+            <a:ext cx="7387491" cy="5540618"/>
+          </a:xfrm>
+          <a:prstGeom prst="rect">
+            <a:avLst/>
+          </a:prstGeom>
+        </p:spPr>
+      </p:pic>
+      <p:cxnSp>
+        <p:nvCxnSpPr>
+          <p:cNvPr id="7" name="Straight Arrow Connector 6">
+            <a:extLst>
+              <a:ext uri="{FF2B5EF4-FFF2-40B4-BE49-F238E27FC236}">
+                <a16:creationId xmlns:a16="http://schemas.microsoft.com/office/drawing/2014/main" id="{AB265331-E8BB-DE43-9D2F-8976B203D1C1}"/>
+              </a:ext>
+            </a:extLst>
+          </p:cNvPr>
+          <p:cNvCxnSpPr/>
+          <p:nvPr/>
+        </p:nvCxnSpPr>
+        <p:spPr>
+          <a:xfrm flipH="1">
+            <a:off x="6740769" y="3704492"/>
+            <a:ext cx="468923" cy="820616"/>
+          </a:xfrm>
+          <a:prstGeom prst="straightConnector1">
+            <a:avLst/>
+          </a:prstGeom>
+          <a:ln>
+            <a:solidFill>
+              <a:schemeClr val="accent6">
+                <a:lumMod val="75000"/>
+              </a:schemeClr>
+            </a:solidFill>
+            <a:tailEnd type="triangle"/>
+          </a:ln>
+        </p:spPr>
+        <p:style>
+          <a:lnRef idx="1">
+            <a:schemeClr val="accent1"/>
+          </a:lnRef>
+          <a:fillRef idx="0">
+            <a:schemeClr val="accent1"/>
+          </a:fillRef>
+          <a:effectRef idx="0">
+            <a:schemeClr val="accent1"/>
+          </a:effectRef>
+          <a:fontRef idx="minor">
+            <a:schemeClr val="tx1"/>
+          </a:fontRef>
+        </p:style>
+      </p:cxnSp>
+      <p:cxnSp>
+        <p:nvCxnSpPr>
+          <p:cNvPr id="9" name="Straight Arrow Connector 8">
+            <a:extLst>
+              <a:ext uri="{FF2B5EF4-FFF2-40B4-BE49-F238E27FC236}">
+                <a16:creationId xmlns:a16="http://schemas.microsoft.com/office/drawing/2014/main" id="{5974B3A8-C23F-6E4B-AE63-21B5E2E1D346}"/>
+              </a:ext>
+            </a:extLst>
+          </p:cNvPr>
+          <p:cNvCxnSpPr/>
+          <p:nvPr/>
+        </p:nvCxnSpPr>
+        <p:spPr>
+          <a:xfrm flipH="1">
+            <a:off x="7209691" y="2872161"/>
+            <a:ext cx="468923" cy="820616"/>
+          </a:xfrm>
+          <a:prstGeom prst="straightConnector1">
+            <a:avLst/>
+          </a:prstGeom>
+          <a:ln>
+            <a:solidFill>
+              <a:srgbClr val="FF0000"/>
+            </a:solidFill>
+            <a:headEnd type="triangle" w="med" len="med"/>
+            <a:tailEnd type="none" w="med" len="med"/>
+          </a:ln>
+        </p:spPr>
+        <p:style>
+          <a:lnRef idx="1">
+            <a:schemeClr val="accent1"/>
+          </a:lnRef>
+          <a:fillRef idx="0">
+            <a:schemeClr val="accent1"/>
+          </a:fillRef>
+          <a:effectRef idx="0">
+            <a:schemeClr val="accent1"/>
+          </a:effectRef>
+          <a:fontRef idx="minor">
+            <a:schemeClr val="tx1"/>
+          </a:fontRef>
+        </p:style>
+      </p:cxnSp>
+    </p:spTree>
+    <p:extLst>
+      <p:ext uri="{BB962C8B-B14F-4D97-AF65-F5344CB8AC3E}">
+        <p14:creationId xmlns:p14="http://schemas.microsoft.com/office/powerpoint/2010/main" val="1886966137"/>
+      </p:ext>
+    </p:extLst>
+  </p:cSld>
+  <p:clrMapOvr>
+    <a:masterClrMapping/>
+  </p:clrMapOvr>
+</p:sld>
+</file>
+
+<file path=ppt/slides/slide7.xml><?xml version="1.0" encoding="utf-8"?>
+<p:sld xmlns:a="http://schemas.openxmlformats.org/drawingml/2006/main" xmlns:r="http://schemas.openxmlformats.org/officeDocument/2006/relationships" xmlns:p="http://schemas.openxmlformats.org/presentationml/2006/main">
+  <p:cSld>
+    <p:spTree>
+      <p:nvGrpSpPr>
+        <p:cNvPr id="1" name=""/>
+        <p:cNvGrpSpPr/>
+        <p:nvPr/>
+      </p:nvGrpSpPr>
+      <p:grpSpPr>
+        <a:xfrm>
+          <a:off x="0" y="0"/>
+          <a:ext cx="0" cy="0"/>
+          <a:chOff x="0" y="0"/>
+          <a:chExt cx="0" cy="0"/>
+        </a:xfrm>
+      </p:grpSpPr>
+      <p:pic>
+        <p:nvPicPr>
+          <p:cNvPr id="5" name="Picture 4">
+            <a:extLst>
+              <a:ext uri="{FF2B5EF4-FFF2-40B4-BE49-F238E27FC236}">
+                <a16:creationId xmlns:a16="http://schemas.microsoft.com/office/drawing/2014/main" id="{56301187-58F2-674C-A191-7656659B8771}"/>
+              </a:ext>
+            </a:extLst>
+          </p:cNvPr>
+          <p:cNvPicPr>
+            <a:picLocks noChangeAspect="1"/>
+          </p:cNvPicPr>
+          <p:nvPr/>
+        </p:nvPicPr>
+        <p:blipFill>
+          <a:blip r:embed="rId2">
+            <a:extLst>
+              <a:ext uri="{28A0092B-C50C-407E-A947-70E740481C1C}">
+                <a14:useLocalDpi xmlns:a14="http://schemas.microsoft.com/office/drawing/2010/main" val="0"/>
+              </a:ext>
+            </a:extLst>
+          </a:blip>
+          <a:stretch>
+            <a:fillRect/>
+          </a:stretch>
+        </p:blipFill>
+        <p:spPr>
+          <a:xfrm>
+            <a:off x="1522845" y="114298"/>
+            <a:ext cx="8189191" cy="6172149"/>
+          </a:xfrm>
+          <a:prstGeom prst="rect">
+            <a:avLst/>
+          </a:prstGeom>
+        </p:spPr>
+      </p:pic>
+      <p:pic>
+        <p:nvPicPr>
+          <p:cNvPr id="7" name="Picture 6">
+            <a:extLst>
+              <a:ext uri="{FF2B5EF4-FFF2-40B4-BE49-F238E27FC236}">
+                <a16:creationId xmlns:a16="http://schemas.microsoft.com/office/drawing/2014/main" id="{CFB36860-205F-C74C-8605-42027EC795DF}"/>
+              </a:ext>
+            </a:extLst>
+          </p:cNvPr>
+          <p:cNvPicPr>
+            <a:picLocks noChangeAspect="1"/>
+          </p:cNvPicPr>
+          <p:nvPr/>
+        </p:nvPicPr>
+        <p:blipFill>
+          <a:blip r:embed="rId3"/>
+          <a:stretch>
+            <a:fillRect/>
+          </a:stretch>
+        </p:blipFill>
+        <p:spPr>
+          <a:xfrm>
+            <a:off x="8594437" y="2552672"/>
+            <a:ext cx="711200" cy="647700"/>
+          </a:xfrm>
+          <a:prstGeom prst="rect">
+            <a:avLst/>
+          </a:prstGeom>
+        </p:spPr>
+      </p:pic>
+      <p:pic>
+        <p:nvPicPr>
+          <p:cNvPr id="8" name="Picture 7">
+            <a:extLst>
+              <a:ext uri="{FF2B5EF4-FFF2-40B4-BE49-F238E27FC236}">
+                <a16:creationId xmlns:a16="http://schemas.microsoft.com/office/drawing/2014/main" id="{EFBCC7E5-0BAB-6C4E-BDAC-A4ADC34B8295}"/>
+              </a:ext>
+            </a:extLst>
+          </p:cNvPr>
+          <p:cNvPicPr>
+            <a:picLocks noChangeAspect="1"/>
+          </p:cNvPicPr>
+          <p:nvPr/>
+        </p:nvPicPr>
+        <p:blipFill>
+          <a:blip r:embed="rId3"/>
+          <a:stretch>
+            <a:fillRect/>
+          </a:stretch>
+        </p:blipFill>
+        <p:spPr>
+          <a:xfrm>
+            <a:off x="6571672" y="5488132"/>
+            <a:ext cx="711200" cy="647700"/>
+          </a:xfrm>
+          <a:prstGeom prst="rect">
+            <a:avLst/>
+          </a:prstGeom>
+        </p:spPr>
+      </p:pic>
+      <p:pic>
+        <p:nvPicPr>
+          <p:cNvPr id="9" name="Picture 8">
+            <a:extLst>
+              <a:ext uri="{FF2B5EF4-FFF2-40B4-BE49-F238E27FC236}">
+                <a16:creationId xmlns:a16="http://schemas.microsoft.com/office/drawing/2014/main" id="{3ED842BD-38F6-CB43-8E76-6898583B0EC5}"/>
+              </a:ext>
+            </a:extLst>
+          </p:cNvPr>
+          <p:cNvPicPr>
+            <a:picLocks noChangeAspect="1"/>
+          </p:cNvPicPr>
+          <p:nvPr/>
+        </p:nvPicPr>
+        <p:blipFill>
+          <a:blip r:embed="rId3"/>
+          <a:stretch>
+            <a:fillRect/>
+          </a:stretch>
+        </p:blipFill>
+        <p:spPr>
+          <a:xfrm>
+            <a:off x="3786908" y="5280314"/>
+            <a:ext cx="711200" cy="647700"/>
+          </a:xfrm>
+          <a:prstGeom prst="rect">
+            <a:avLst/>
+          </a:prstGeom>
+        </p:spPr>
+      </p:pic>
+      <mc:AlternateContent xmlns:mc="http://schemas.openxmlformats.org/markup-compatibility/2006">
+        <mc:Choice xmlns:a14="http://schemas.microsoft.com/office/drawing/2010/main" Requires="a14">
+          <p:sp>
+            <p:nvSpPr>
+              <p:cNvPr id="6" name="TextBox 5">
+                <a:extLst>
+                  <a:ext uri="{FF2B5EF4-FFF2-40B4-BE49-F238E27FC236}">
+                    <a16:creationId xmlns:a16="http://schemas.microsoft.com/office/drawing/2014/main" id="{3BCAFE83-6B28-0B42-833A-E85C898AC3DF}"/>
+                  </a:ext>
+                </a:extLst>
+              </p:cNvPr>
+              <p:cNvSpPr txBox="1"/>
+              <p:nvPr/>
+            </p:nvSpPr>
+            <p:spPr>
+              <a:xfrm>
+                <a:off x="8695512" y="2738022"/>
+                <a:ext cx="509050" cy="276999"/>
+              </a:xfrm>
+              <a:prstGeom prst="rect">
+                <a:avLst/>
+              </a:prstGeom>
+              <a:noFill/>
+            </p:spPr>
+            <p:txBody>
+              <a:bodyPr wrap="none" lIns="0" tIns="0" rIns="0" bIns="0" rtlCol="0">
+                <a:spAutoFit/>
+              </a:bodyPr>
+              <a:lstStyle/>
+              <a:p>
+                <a14:m>
+                  <m:oMathPara xmlns:m="http://schemas.openxmlformats.org/officeDocument/2006/math">
+                    <m:oMathParaPr>
+                      <m:jc m:val="centerGroup"/>
+                    </m:oMathParaPr>
+                    <m:oMath xmlns:m="http://schemas.openxmlformats.org/officeDocument/2006/math">
+                      <m:r>
+                        <a:rPr lang="en-US" b="0" i="1" smtClean="0">
+                          <a:latin typeface="Cambria Math" panose="02040503050406030204" pitchFamily="18" charset="0"/>
+                        </a:rPr>
+                        <m:t>𝑓</m:t>
+                      </m:r>
+                      <m:r>
+                        <a:rPr lang="en-US" b="0" i="1" smtClean="0">
+                          <a:latin typeface="Cambria Math" panose="02040503050406030204" pitchFamily="18" charset="0"/>
+                        </a:rPr>
+                        <m:t>(</m:t>
+                      </m:r>
+                      <m:r>
+                        <a:rPr lang="en-US" b="0" i="1" smtClean="0">
+                          <a:latin typeface="Cambria Math" panose="02040503050406030204" pitchFamily="18" charset="0"/>
+                        </a:rPr>
+                        <m:t>𝑥</m:t>
+                      </m:r>
+                      <m:r>
+                        <a:rPr lang="en-US" b="0" i="1" smtClean="0">
+                          <a:latin typeface="Cambria Math" panose="02040503050406030204" pitchFamily="18" charset="0"/>
+                        </a:rPr>
+                        <m:t>)</m:t>
+                      </m:r>
+                    </m:oMath>
+                  </m:oMathPara>
+                </a14:m>
+                <a:endParaRPr lang="en-US" dirty="0"/>
+              </a:p>
+            </p:txBody>
+          </p:sp>
+        </mc:Choice>
+        <mc:Fallback>
+          <p:sp>
+            <p:nvSpPr>
+              <p:cNvPr id="6" name="TextBox 5">
+                <a:extLst>
+                  <a:ext uri="{FF2B5EF4-FFF2-40B4-BE49-F238E27FC236}">
+                    <a16:creationId xmlns:a16="http://schemas.microsoft.com/office/drawing/2014/main" id="{3BCAFE83-6B28-0B42-833A-E85C898AC3DF}"/>
+                  </a:ext>
+                </a:extLst>
+              </p:cNvPr>
+              <p:cNvSpPr txBox="1">
+                <a:spLocks noRot="1" noChangeAspect="1" noMove="1" noResize="1" noEditPoints="1" noAdjustHandles="1" noChangeArrowheads="1" noChangeShapeType="1" noTextEdit="1"/>
+              </p:cNvSpPr>
+              <p:nvPr/>
+            </p:nvSpPr>
+            <p:spPr>
+              <a:xfrm>
+                <a:off x="8695512" y="2738022"/>
+                <a:ext cx="509050" cy="276999"/>
+              </a:xfrm>
+              <a:prstGeom prst="rect">
+                <a:avLst/>
+              </a:prstGeom>
+              <a:blipFill>
+                <a:blip r:embed="rId4"/>
+                <a:stretch>
+                  <a:fillRect l="-14634" t="-4762" r="-14634" b="-38095"/>
+                </a:stretch>
+              </a:blipFill>
+            </p:spPr>
+            <p:txBody>
+              <a:bodyPr/>
+              <a:lstStyle/>
+              <a:p>
+                <a:r>
+                  <a:rPr lang="en-US">
+                    <a:noFill/>
+                  </a:rPr>
+                  <a:t> </a:t>
+                </a:r>
+              </a:p>
+            </p:txBody>
+          </p:sp>
+        </mc:Fallback>
+      </mc:AlternateContent>
+      <mc:AlternateContent xmlns:mc="http://schemas.openxmlformats.org/markup-compatibility/2006">
+        <mc:Choice xmlns:a14="http://schemas.microsoft.com/office/drawing/2010/main" Requires="a14">
+          <p:sp>
+            <p:nvSpPr>
+              <p:cNvPr id="11" name="TextBox 10">
+                <a:extLst>
+                  <a:ext uri="{FF2B5EF4-FFF2-40B4-BE49-F238E27FC236}">
+                    <a16:creationId xmlns:a16="http://schemas.microsoft.com/office/drawing/2014/main" id="{9D1EB25A-B3F0-224D-8EA4-19B9C88AC6BD}"/>
+                  </a:ext>
+                </a:extLst>
+              </p:cNvPr>
+              <p:cNvSpPr txBox="1"/>
+              <p:nvPr/>
+            </p:nvSpPr>
+            <p:spPr>
+              <a:xfrm>
+                <a:off x="4498108" y="5349632"/>
+                <a:ext cx="276101" cy="276999"/>
+              </a:xfrm>
+              <a:prstGeom prst="rect">
+                <a:avLst/>
+              </a:prstGeom>
+              <a:noFill/>
+            </p:spPr>
+            <p:txBody>
+              <a:bodyPr wrap="none" lIns="0" tIns="0" rIns="0" bIns="0" rtlCol="0">
+                <a:spAutoFit/>
+              </a:bodyPr>
+              <a:lstStyle/>
+              <a:p>
+                <a14:m>
+                  <m:oMathPara xmlns:m="http://schemas.openxmlformats.org/officeDocument/2006/math">
+                    <m:oMathParaPr>
+                      <m:jc m:val="centerGroup"/>
+                    </m:oMathParaPr>
+                    <m:oMath xmlns:m="http://schemas.openxmlformats.org/officeDocument/2006/math">
+                      <m:sSub>
+                        <m:sSubPr>
+                          <m:ctrlPr>
+                            <a:rPr lang="en-US" b="0" i="1" smtClean="0">
+                              <a:latin typeface="Cambria Math" panose="02040503050406030204" pitchFamily="18" charset="0"/>
+                            </a:rPr>
+                          </m:ctrlPr>
+                        </m:sSubPr>
+                        <m:e>
+                          <m:r>
+                            <a:rPr lang="en-US" b="0" i="1" smtClean="0">
+                              <a:latin typeface="Cambria Math" panose="02040503050406030204" pitchFamily="18" charset="0"/>
+                            </a:rPr>
+                            <m:t>𝑥</m:t>
+                          </m:r>
+                        </m:e>
+                        <m:sub>
+                          <m:r>
+                            <a:rPr lang="en-US" b="0" i="1" smtClean="0">
+                              <a:latin typeface="Cambria Math" panose="02040503050406030204" pitchFamily="18" charset="0"/>
+                            </a:rPr>
+                            <m:t>1</m:t>
+                          </m:r>
+                        </m:sub>
+                      </m:sSub>
+                    </m:oMath>
+                  </m:oMathPara>
+                </a14:m>
+                <a:endParaRPr lang="en-US" dirty="0"/>
+              </a:p>
+            </p:txBody>
+          </p:sp>
+        </mc:Choice>
+        <mc:Fallback>
+          <p:sp>
+            <p:nvSpPr>
+              <p:cNvPr id="11" name="TextBox 10">
+                <a:extLst>
+                  <a:ext uri="{FF2B5EF4-FFF2-40B4-BE49-F238E27FC236}">
+                    <a16:creationId xmlns:a16="http://schemas.microsoft.com/office/drawing/2014/main" id="{9D1EB25A-B3F0-224D-8EA4-19B9C88AC6BD}"/>
+                  </a:ext>
+                </a:extLst>
+              </p:cNvPr>
+              <p:cNvSpPr txBox="1">
+                <a:spLocks noRot="1" noChangeAspect="1" noMove="1" noResize="1" noEditPoints="1" noAdjustHandles="1" noChangeArrowheads="1" noChangeShapeType="1" noTextEdit="1"/>
+              </p:cNvSpPr>
+              <p:nvPr/>
+            </p:nvSpPr>
+            <p:spPr>
+              <a:xfrm>
+                <a:off x="4498108" y="5349632"/>
+                <a:ext cx="276101" cy="276999"/>
+              </a:xfrm>
+              <a:prstGeom prst="rect">
+                <a:avLst/>
+              </a:prstGeom>
+              <a:blipFill>
+                <a:blip r:embed="rId5"/>
+                <a:stretch>
+                  <a:fillRect l="-8696" r="-4348" b="-8696"/>
+                </a:stretch>
+              </a:blipFill>
+            </p:spPr>
+            <p:txBody>
+              <a:bodyPr/>
+              <a:lstStyle/>
+              <a:p>
+                <a:r>
+                  <a:rPr lang="en-US">
+                    <a:noFill/>
+                  </a:rPr>
+                  <a:t> </a:t>
+                </a:r>
+              </a:p>
+            </p:txBody>
+          </p:sp>
+        </mc:Fallback>
+      </mc:AlternateContent>
+      <p:pic>
+        <p:nvPicPr>
+          <p:cNvPr id="13" name="Picture 12">
+            <a:extLst>
+              <a:ext uri="{FF2B5EF4-FFF2-40B4-BE49-F238E27FC236}">
+                <a16:creationId xmlns:a16="http://schemas.microsoft.com/office/drawing/2014/main" id="{D5646AD7-F74E-B44D-B777-5A5D942981D8}"/>
+              </a:ext>
+            </a:extLst>
+          </p:cNvPr>
+          <p:cNvPicPr>
+            <a:picLocks noChangeAspect="1"/>
+          </p:cNvPicPr>
+          <p:nvPr/>
+        </p:nvPicPr>
+        <p:blipFill>
+          <a:blip r:embed="rId6"/>
+          <a:stretch>
+            <a:fillRect/>
+          </a:stretch>
+        </p:blipFill>
+        <p:spPr>
+          <a:xfrm>
+            <a:off x="7771245" y="4772314"/>
+            <a:ext cx="584200" cy="508000"/>
+          </a:xfrm>
+          <a:prstGeom prst="rect">
+            <a:avLst/>
+          </a:prstGeom>
+        </p:spPr>
+      </p:pic>
+      <mc:AlternateContent xmlns:mc="http://schemas.openxmlformats.org/markup-compatibility/2006">
+        <mc:Choice xmlns:a14="http://schemas.microsoft.com/office/drawing/2010/main" Requires="a14">
+          <p:sp>
+            <p:nvSpPr>
+              <p:cNvPr id="12" name="TextBox 11">
+                <a:extLst>
+                  <a:ext uri="{FF2B5EF4-FFF2-40B4-BE49-F238E27FC236}">
+                    <a16:creationId xmlns:a16="http://schemas.microsoft.com/office/drawing/2014/main" id="{C2DF14BA-65EA-CF4D-848C-629108BDFF07}"/>
+                  </a:ext>
+                </a:extLst>
+              </p:cNvPr>
+              <p:cNvSpPr txBox="1"/>
+              <p:nvPr/>
+            </p:nvSpPr>
+            <p:spPr>
+              <a:xfrm>
+                <a:off x="7142160" y="5003315"/>
+                <a:ext cx="281423" cy="276999"/>
+              </a:xfrm>
+              <a:prstGeom prst="rect">
+                <a:avLst/>
+              </a:prstGeom>
+              <a:noFill/>
+            </p:spPr>
+            <p:txBody>
+              <a:bodyPr wrap="none" lIns="0" tIns="0" rIns="0" bIns="0" rtlCol="0">
+                <a:spAutoFit/>
+              </a:bodyPr>
+              <a:lstStyle/>
+              <a:p>
+                <a14:m>
+                  <m:oMathPara xmlns:m="http://schemas.openxmlformats.org/officeDocument/2006/math">
+                    <m:oMathParaPr>
+                      <m:jc m:val="centerGroup"/>
+                    </m:oMathParaPr>
+                    <m:oMath xmlns:m="http://schemas.openxmlformats.org/officeDocument/2006/math">
+                      <m:sSub>
+                        <m:sSubPr>
+                          <m:ctrlPr>
+                            <a:rPr lang="en-US" b="0" i="1" smtClean="0">
+                              <a:latin typeface="Cambria Math" panose="02040503050406030204" pitchFamily="18" charset="0"/>
+                            </a:rPr>
+                          </m:ctrlPr>
+                        </m:sSubPr>
+                        <m:e>
+                          <m:r>
+                            <a:rPr lang="en-US" b="0" i="1" smtClean="0">
+                              <a:latin typeface="Cambria Math" panose="02040503050406030204" pitchFamily="18" charset="0"/>
+                            </a:rPr>
+                            <m:t>𝑥</m:t>
+                          </m:r>
+                        </m:e>
+                        <m:sub>
+                          <m:r>
+                            <a:rPr lang="en-US" b="0" i="1" smtClean="0">
+                              <a:latin typeface="Cambria Math" panose="02040503050406030204" pitchFamily="18" charset="0"/>
+                            </a:rPr>
+                            <m:t>2</m:t>
+                          </m:r>
+                        </m:sub>
+                      </m:sSub>
+                    </m:oMath>
+                  </m:oMathPara>
+                </a14:m>
+                <a:endParaRPr lang="en-US" dirty="0"/>
+              </a:p>
+            </p:txBody>
+          </p:sp>
+        </mc:Choice>
+        <mc:Fallback>
+          <p:sp>
+            <p:nvSpPr>
+              <p:cNvPr id="12" name="TextBox 11">
+                <a:extLst>
+                  <a:ext uri="{FF2B5EF4-FFF2-40B4-BE49-F238E27FC236}">
+                    <a16:creationId xmlns:a16="http://schemas.microsoft.com/office/drawing/2014/main" id="{C2DF14BA-65EA-CF4D-848C-629108BDFF07}"/>
+                  </a:ext>
+                </a:extLst>
+              </p:cNvPr>
+              <p:cNvSpPr txBox="1">
+                <a:spLocks noRot="1" noChangeAspect="1" noMove="1" noResize="1" noEditPoints="1" noAdjustHandles="1" noChangeArrowheads="1" noChangeShapeType="1" noTextEdit="1"/>
+              </p:cNvSpPr>
+              <p:nvPr/>
+            </p:nvSpPr>
+            <p:spPr>
+              <a:xfrm>
+                <a:off x="7142160" y="5003315"/>
+                <a:ext cx="281423" cy="276999"/>
+              </a:xfrm>
+              <a:prstGeom prst="rect">
+                <a:avLst/>
+              </a:prstGeom>
+              <a:blipFill>
+                <a:blip r:embed="rId7"/>
+                <a:stretch>
+                  <a:fillRect l="-8333" b="-13043"/>
+                </a:stretch>
+              </a:blipFill>
+            </p:spPr>
+            <p:txBody>
+              <a:bodyPr/>
+              <a:lstStyle/>
+              <a:p>
+                <a:r>
+                  <a:rPr lang="en-US">
+                    <a:noFill/>
+                  </a:rPr>
+                  <a:t> </a:t>
+                </a:r>
+              </a:p>
+            </p:txBody>
+          </p:sp>
+        </mc:Fallback>
+      </mc:AlternateContent>
+    </p:spTree>
+    <p:extLst>
+      <p:ext uri="{BB962C8B-B14F-4D97-AF65-F5344CB8AC3E}">
+        <p14:creationId xmlns:p14="http://schemas.microsoft.com/office/powerpoint/2010/main" val="1442134500"/>
+      </p:ext>
+    </p:extLst>
+  </p:cSld>
+  <p:clrMapOvr>
+    <a:masterClrMapping/>
+  </p:clrMapOvr>
+</p:sld>
+</file>
+
 <file path=ppt/theme/theme1.xml><?xml version="1.0" encoding="utf-8"?>
 <a:theme xmlns:a="http://schemas.openxmlformats.org/drawingml/2006/main" name="Office Theme">
   <a:themeElements>

--- a/assets/photos_gbdt/公式源文件.pptx
+++ b/assets/photos_gbdt/公式源文件.pptx
@@ -12,6 +12,7 @@
     <p:sldId id="262" r:id="rId6"/>
     <p:sldId id="263" r:id="rId7"/>
     <p:sldId id="264" r:id="rId8"/>
+    <p:sldId id="265" r:id="rId9"/>
   </p:sldIdLst>
   <p:sldSz cx="12192000" cy="6858000"/>
   <p:notesSz cx="6858000" cy="9144000"/>
@@ -110,6 +111,11 @@
       </a:defRPr>
     </a:lvl9pPr>
   </p:defaultTextStyle>
+  <p:extLst>
+    <p:ext uri="{EFAFB233-063F-42B5-8137-9DF3F51BA10A}">
+      <p15:sldGuideLst xmlns:p15="http://schemas.microsoft.com/office/powerpoint/2012/main"/>
+    </p:ext>
+  </p:extLst>
 </p:presentation>
 </file>
 
@@ -260,7 +266,7 @@
           <a:p>
             <a:fld id="{CA313935-91DE-FC49-BDF5-EED629360A74}" type="datetimeFigureOut">
               <a:rPr lang="en-US" smtClean="0"/>
-              <a:t>12/23/19</a:t>
+              <a:t>1/8/20</a:t>
             </a:fld>
             <a:endParaRPr lang="en-US"/>
           </a:p>
@@ -458,7 +464,7 @@
           <a:p>
             <a:fld id="{CA313935-91DE-FC49-BDF5-EED629360A74}" type="datetimeFigureOut">
               <a:rPr lang="en-US" smtClean="0"/>
-              <a:t>12/23/19</a:t>
+              <a:t>1/8/20</a:t>
             </a:fld>
             <a:endParaRPr lang="en-US"/>
           </a:p>
@@ -666,7 +672,7 @@
           <a:p>
             <a:fld id="{CA313935-91DE-FC49-BDF5-EED629360A74}" type="datetimeFigureOut">
               <a:rPr lang="en-US" smtClean="0"/>
-              <a:t>12/23/19</a:t>
+              <a:t>1/8/20</a:t>
             </a:fld>
             <a:endParaRPr lang="en-US"/>
           </a:p>
@@ -864,7 +870,7 @@
           <a:p>
             <a:fld id="{CA313935-91DE-FC49-BDF5-EED629360A74}" type="datetimeFigureOut">
               <a:rPr lang="en-US" smtClean="0"/>
-              <a:t>12/23/19</a:t>
+              <a:t>1/8/20</a:t>
             </a:fld>
             <a:endParaRPr lang="en-US"/>
           </a:p>
@@ -1139,7 +1145,7 @@
           <a:p>
             <a:fld id="{CA313935-91DE-FC49-BDF5-EED629360A74}" type="datetimeFigureOut">
               <a:rPr lang="en-US" smtClean="0"/>
-              <a:t>12/23/19</a:t>
+              <a:t>1/8/20</a:t>
             </a:fld>
             <a:endParaRPr lang="en-US"/>
           </a:p>
@@ -1404,7 +1410,7 @@
           <a:p>
             <a:fld id="{CA313935-91DE-FC49-BDF5-EED629360A74}" type="datetimeFigureOut">
               <a:rPr lang="en-US" smtClean="0"/>
-              <a:t>12/23/19</a:t>
+              <a:t>1/8/20</a:t>
             </a:fld>
             <a:endParaRPr lang="en-US"/>
           </a:p>
@@ -1816,7 +1822,7 @@
           <a:p>
             <a:fld id="{CA313935-91DE-FC49-BDF5-EED629360A74}" type="datetimeFigureOut">
               <a:rPr lang="en-US" smtClean="0"/>
-              <a:t>12/23/19</a:t>
+              <a:t>1/8/20</a:t>
             </a:fld>
             <a:endParaRPr lang="en-US"/>
           </a:p>
@@ -1957,7 +1963,7 @@
           <a:p>
             <a:fld id="{CA313935-91DE-FC49-BDF5-EED629360A74}" type="datetimeFigureOut">
               <a:rPr lang="en-US" smtClean="0"/>
-              <a:t>12/23/19</a:t>
+              <a:t>1/8/20</a:t>
             </a:fld>
             <a:endParaRPr lang="en-US"/>
           </a:p>
@@ -2070,7 +2076,7 @@
           <a:p>
             <a:fld id="{CA313935-91DE-FC49-BDF5-EED629360A74}" type="datetimeFigureOut">
               <a:rPr lang="en-US" smtClean="0"/>
-              <a:t>12/23/19</a:t>
+              <a:t>1/8/20</a:t>
             </a:fld>
             <a:endParaRPr lang="en-US"/>
           </a:p>
@@ -2381,7 +2387,7 @@
           <a:p>
             <a:fld id="{CA313935-91DE-FC49-BDF5-EED629360A74}" type="datetimeFigureOut">
               <a:rPr lang="en-US" smtClean="0"/>
-              <a:t>12/23/19</a:t>
+              <a:t>1/8/20</a:t>
             </a:fld>
             <a:endParaRPr lang="en-US"/>
           </a:p>
@@ -2669,7 +2675,7 @@
           <a:p>
             <a:fld id="{CA313935-91DE-FC49-BDF5-EED629360A74}" type="datetimeFigureOut">
               <a:rPr lang="en-US" smtClean="0"/>
-              <a:t>12/23/19</a:t>
+              <a:t>1/8/20</a:t>
             </a:fld>
             <a:endParaRPr lang="en-US"/>
           </a:p>
@@ -2910,7 +2916,7 @@
           <a:p>
             <a:fld id="{CA313935-91DE-FC49-BDF5-EED629360A74}" type="datetimeFigureOut">
               <a:rPr lang="en-US" smtClean="0"/>
-              <a:t>12/23/19</a:t>
+              <a:t>1/8/20</a:t>
             </a:fld>
             <a:endParaRPr lang="en-US"/>
           </a:p>
@@ -3327,8 +3333,8 @@
           <a:chExt cx="0" cy="0"/>
         </a:xfrm>
       </p:grpSpPr>
-      <mc:AlternateContent xmlns:mc="http://schemas.openxmlformats.org/markup-compatibility/2006">
-        <mc:Choice xmlns:a14="http://schemas.microsoft.com/office/drawing/2010/main" Requires="a14">
+      <mc:AlternateContent xmlns:mc="http://schemas.openxmlformats.org/markup-compatibility/2006" xmlns:a14="http://schemas.microsoft.com/office/drawing/2010/main">
+        <mc:Choice Requires="a14">
           <p:sp>
             <p:nvSpPr>
               <p:cNvPr id="4" name="TextBox 3">
@@ -3357,6 +3363,7 @@
               </a:bodyPr>
               <a:lstStyle/>
               <a:p>
+                <a:pPr/>
                 <a14:m>
                   <m:oMathPara xmlns:m="http://schemas.openxmlformats.org/officeDocument/2006/math">
                     <m:oMathParaPr>
@@ -3458,7 +3465,7 @@
             </p:txBody>
           </p:sp>
         </mc:Choice>
-        <mc:Fallback>
+        <mc:Fallback xmlns="">
           <p:sp>
             <p:nvSpPr>
               <p:cNvPr id="4" name="TextBox 3">
@@ -3503,8 +3510,8 @@
           </p:sp>
         </mc:Fallback>
       </mc:AlternateContent>
-      <mc:AlternateContent xmlns:mc="http://schemas.openxmlformats.org/markup-compatibility/2006">
-        <mc:Choice xmlns:a14="http://schemas.microsoft.com/office/drawing/2010/main" Requires="a14">
+      <mc:AlternateContent xmlns:mc="http://schemas.openxmlformats.org/markup-compatibility/2006" xmlns:a14="http://schemas.microsoft.com/office/drawing/2010/main">
+        <mc:Choice Requires="a14">
           <p:sp>
             <p:nvSpPr>
               <p:cNvPr id="5" name="TextBox 4">
@@ -3533,6 +3540,7 @@
               </a:bodyPr>
               <a:lstStyle/>
               <a:p>
+                <a:pPr/>
                 <a14:m>
                   <m:oMathPara xmlns:m="http://schemas.openxmlformats.org/officeDocument/2006/math">
                     <m:oMathParaPr>
@@ -3621,7 +3629,7 @@
             </p:txBody>
           </p:sp>
         </mc:Choice>
-        <mc:Fallback>
+        <mc:Fallback xmlns="">
           <p:sp>
             <p:nvSpPr>
               <p:cNvPr id="5" name="TextBox 4">
@@ -3696,8 +3704,8 @@
           <a:chExt cx="0" cy="0"/>
         </a:xfrm>
       </p:grpSpPr>
-      <mc:AlternateContent xmlns:mc="http://schemas.openxmlformats.org/markup-compatibility/2006">
-        <mc:Choice xmlns:a14="http://schemas.microsoft.com/office/drawing/2010/main" Requires="a14">
+      <mc:AlternateContent xmlns:mc="http://schemas.openxmlformats.org/markup-compatibility/2006" xmlns:a14="http://schemas.microsoft.com/office/drawing/2010/main">
+        <mc:Choice Requires="a14">
           <p:sp>
             <p:nvSpPr>
               <p:cNvPr id="4" name="TextBox 3">
@@ -3726,6 +3734,7 @@
               </a:bodyPr>
               <a:lstStyle/>
               <a:p>
+                <a:pPr/>
                 <a14:m>
                   <m:oMathPara xmlns:m="http://schemas.openxmlformats.org/officeDocument/2006/math">
                     <m:oMathParaPr>
@@ -3867,7 +3876,7 @@
             </p:txBody>
           </p:sp>
         </mc:Choice>
-        <mc:Fallback>
+        <mc:Fallback xmlns="">
           <p:sp>
             <p:nvSpPr>
               <p:cNvPr id="4" name="TextBox 3">
@@ -3942,8 +3951,8 @@
           <a:chExt cx="0" cy="0"/>
         </a:xfrm>
       </p:grpSpPr>
-      <mc:AlternateContent xmlns:mc="http://schemas.openxmlformats.org/markup-compatibility/2006">
-        <mc:Choice xmlns:a14="http://schemas.microsoft.com/office/drawing/2010/main" Requires="a14">
+      <mc:AlternateContent xmlns:mc="http://schemas.openxmlformats.org/markup-compatibility/2006" xmlns:a14="http://schemas.microsoft.com/office/drawing/2010/main">
+        <mc:Choice Requires="a14">
           <p:sp>
             <p:nvSpPr>
               <p:cNvPr id="5" name="TextBox 4">
@@ -3972,6 +3981,7 @@
               </a:bodyPr>
               <a:lstStyle/>
               <a:p>
+                <a:pPr/>
                 <a14:m>
                   <m:oMathPara xmlns:m="http://schemas.openxmlformats.org/officeDocument/2006/math">
                     <m:oMathParaPr>
@@ -4060,7 +4070,7 @@
             </p:txBody>
           </p:sp>
         </mc:Choice>
-        <mc:Fallback>
+        <mc:Fallback xmlns="">
           <p:sp>
             <p:nvSpPr>
               <p:cNvPr id="5" name="TextBox 4">
@@ -4105,8 +4115,8 @@
           </p:sp>
         </mc:Fallback>
       </mc:AlternateContent>
-      <mc:AlternateContent xmlns:mc="http://schemas.openxmlformats.org/markup-compatibility/2006">
-        <mc:Choice xmlns:a14="http://schemas.microsoft.com/office/drawing/2010/main" Requires="a14">
+      <mc:AlternateContent xmlns:mc="http://schemas.openxmlformats.org/markup-compatibility/2006" xmlns:a14="http://schemas.microsoft.com/office/drawing/2010/main">
+        <mc:Choice Requires="a14">
           <p:sp>
             <p:nvSpPr>
               <p:cNvPr id="6" name="TextBox 5">
@@ -4135,6 +4145,7 @@
               </a:bodyPr>
               <a:lstStyle/>
               <a:p>
+                <a:pPr/>
                 <a14:m>
                   <m:oMathPara xmlns:m="http://schemas.openxmlformats.org/officeDocument/2006/math">
                     <m:oMathParaPr>
@@ -4186,7 +4197,7 @@
             </p:txBody>
           </p:sp>
         </mc:Choice>
-        <mc:Fallback>
+        <mc:Fallback xmlns="">
           <p:sp>
             <p:nvSpPr>
               <p:cNvPr id="6" name="TextBox 5">
@@ -4231,8 +4242,8 @@
           </p:sp>
         </mc:Fallback>
       </mc:AlternateContent>
-      <mc:AlternateContent xmlns:mc="http://schemas.openxmlformats.org/markup-compatibility/2006">
-        <mc:Choice xmlns:a14="http://schemas.microsoft.com/office/drawing/2010/main" Requires="a14">
+      <mc:AlternateContent xmlns:mc="http://schemas.openxmlformats.org/markup-compatibility/2006" xmlns:a14="http://schemas.microsoft.com/office/drawing/2010/main">
+        <mc:Choice Requires="a14">
           <p:sp>
             <p:nvSpPr>
               <p:cNvPr id="7" name="TextBox 6">
@@ -4261,6 +4272,7 @@
               </a:bodyPr>
               <a:lstStyle/>
               <a:p>
+                <a:pPr/>
                 <a14:m>
                   <m:oMathPara xmlns:m="http://schemas.openxmlformats.org/officeDocument/2006/math">
                     <m:oMathParaPr>
@@ -4282,7 +4294,7 @@
             </p:txBody>
           </p:sp>
         </mc:Choice>
-        <mc:Fallback>
+        <mc:Fallback xmlns="">
           <p:sp>
             <p:nvSpPr>
               <p:cNvPr id="7" name="TextBox 6">
@@ -4327,8 +4339,8 @@
           </p:sp>
         </mc:Fallback>
       </mc:AlternateContent>
-      <mc:AlternateContent xmlns:mc="http://schemas.openxmlformats.org/markup-compatibility/2006">
-        <mc:Choice xmlns:a14="http://schemas.microsoft.com/office/drawing/2010/main" Requires="a14">
+      <mc:AlternateContent xmlns:mc="http://schemas.openxmlformats.org/markup-compatibility/2006" xmlns:a14="http://schemas.microsoft.com/office/drawing/2010/main">
+        <mc:Choice Requires="a14">
           <p:sp>
             <p:nvSpPr>
               <p:cNvPr id="8" name="TextBox 7">
@@ -4357,6 +4369,7 @@
               </a:bodyPr>
               <a:lstStyle/>
               <a:p>
+                <a:pPr/>
                 <a14:m>
                   <m:oMathPara xmlns:m="http://schemas.openxmlformats.org/officeDocument/2006/math">
                     <m:oMathParaPr>
@@ -4378,7 +4391,7 @@
             </p:txBody>
           </p:sp>
         </mc:Choice>
-        <mc:Fallback>
+        <mc:Fallback xmlns="">
           <p:sp>
             <p:nvSpPr>
               <p:cNvPr id="8" name="TextBox 7">
@@ -4423,8 +4436,8 @@
           </p:sp>
         </mc:Fallback>
       </mc:AlternateContent>
-      <mc:AlternateContent xmlns:mc="http://schemas.openxmlformats.org/markup-compatibility/2006">
-        <mc:Choice xmlns:a14="http://schemas.microsoft.com/office/drawing/2010/main" Requires="a14">
+      <mc:AlternateContent xmlns:mc="http://schemas.openxmlformats.org/markup-compatibility/2006" xmlns:a14="http://schemas.microsoft.com/office/drawing/2010/main">
+        <mc:Choice Requires="a14">
           <p:sp>
             <p:nvSpPr>
               <p:cNvPr id="9" name="TextBox 8">
@@ -4453,6 +4466,7 @@
               </a:bodyPr>
               <a:lstStyle/>
               <a:p>
+                <a:pPr/>
                 <a14:m>
                   <m:oMathPara xmlns:m="http://schemas.openxmlformats.org/officeDocument/2006/math">
                     <m:oMathParaPr>
@@ -4485,7 +4499,7 @@
             </p:txBody>
           </p:sp>
         </mc:Choice>
-        <mc:Fallback>
+        <mc:Fallback xmlns="">
           <p:sp>
             <p:nvSpPr>
               <p:cNvPr id="9" name="TextBox 8">
@@ -4530,8 +4544,8 @@
           </p:sp>
         </mc:Fallback>
       </mc:AlternateContent>
-      <mc:AlternateContent xmlns:mc="http://schemas.openxmlformats.org/markup-compatibility/2006">
-        <mc:Choice xmlns:a14="http://schemas.microsoft.com/office/drawing/2010/main" Requires="a14">
+      <mc:AlternateContent xmlns:mc="http://schemas.openxmlformats.org/markup-compatibility/2006" xmlns:a14="http://schemas.microsoft.com/office/drawing/2010/main">
+        <mc:Choice Requires="a14">
           <p:sp>
             <p:nvSpPr>
               <p:cNvPr id="10" name="TextBox 9">
@@ -4560,6 +4574,7 @@
               </a:bodyPr>
               <a:lstStyle/>
               <a:p>
+                <a:pPr/>
                 <a14:m>
                   <m:oMathPara xmlns:m="http://schemas.openxmlformats.org/officeDocument/2006/math">
                     <m:oMathParaPr>
@@ -4581,7 +4596,7 @@
             </p:txBody>
           </p:sp>
         </mc:Choice>
-        <mc:Fallback>
+        <mc:Fallback xmlns="">
           <p:sp>
             <p:nvSpPr>
               <p:cNvPr id="10" name="TextBox 9">
@@ -4626,8 +4641,8 @@
           </p:sp>
         </mc:Fallback>
       </mc:AlternateContent>
-      <mc:AlternateContent xmlns:mc="http://schemas.openxmlformats.org/markup-compatibility/2006">
-        <mc:Choice xmlns:a14="http://schemas.microsoft.com/office/drawing/2010/main" Requires="a14">
+      <mc:AlternateContent xmlns:mc="http://schemas.openxmlformats.org/markup-compatibility/2006" xmlns:a14="http://schemas.microsoft.com/office/drawing/2010/main">
+        <mc:Choice Requires="a14">
           <p:sp>
             <p:nvSpPr>
               <p:cNvPr id="11" name="TextBox 10">
@@ -4656,6 +4671,7 @@
               </a:bodyPr>
               <a:lstStyle/>
               <a:p>
+                <a:pPr/>
                 <a14:m>
                   <m:oMathPara xmlns:m="http://schemas.openxmlformats.org/officeDocument/2006/math">
                     <m:oMathParaPr>
@@ -4701,7 +4717,7 @@
             </p:txBody>
           </p:sp>
         </mc:Choice>
-        <mc:Fallback>
+        <mc:Fallback xmlns="">
           <p:sp>
             <p:nvSpPr>
               <p:cNvPr id="11" name="TextBox 10">
@@ -4776,8 +4792,8 @@
           <a:chExt cx="0" cy="0"/>
         </a:xfrm>
       </p:grpSpPr>
-      <mc:AlternateContent xmlns:mc="http://schemas.openxmlformats.org/markup-compatibility/2006">
-        <mc:Choice xmlns:a14="http://schemas.microsoft.com/office/drawing/2010/main" Requires="a14">
+      <mc:AlternateContent xmlns:mc="http://schemas.openxmlformats.org/markup-compatibility/2006" xmlns:a14="http://schemas.microsoft.com/office/drawing/2010/main">
+        <mc:Choice Requires="a14">
           <p:sp>
             <p:nvSpPr>
               <p:cNvPr id="5" name="TextBox 4">
@@ -4806,6 +4822,7 @@
               </a:bodyPr>
               <a:lstStyle/>
               <a:p>
+                <a:pPr/>
                 <a14:m>
                   <m:oMathPara xmlns:m="http://schemas.openxmlformats.org/officeDocument/2006/math">
                     <m:oMathParaPr>
@@ -4929,7 +4946,7 @@
             </p:txBody>
           </p:sp>
         </mc:Choice>
-        <mc:Fallback>
+        <mc:Fallback xmlns="">
           <p:sp>
             <p:nvSpPr>
               <p:cNvPr id="5" name="TextBox 4">
@@ -4974,8 +4991,8 @@
           </p:sp>
         </mc:Fallback>
       </mc:AlternateContent>
-      <mc:AlternateContent xmlns:mc="http://schemas.openxmlformats.org/markup-compatibility/2006">
-        <mc:Choice xmlns:a14="http://schemas.microsoft.com/office/drawing/2010/main" Requires="a14">
+      <mc:AlternateContent xmlns:mc="http://schemas.openxmlformats.org/markup-compatibility/2006" xmlns:a14="http://schemas.microsoft.com/office/drawing/2010/main">
+        <mc:Choice Requires="a14">
           <p:sp>
             <p:nvSpPr>
               <p:cNvPr id="7" name="TextBox 6">
@@ -5004,6 +5021,7 @@
               </a:bodyPr>
               <a:lstStyle/>
               <a:p>
+                <a:pPr/>
                 <a14:m>
                   <m:oMathPara xmlns:m="http://schemas.openxmlformats.org/officeDocument/2006/math">
                     <m:oMathParaPr>
@@ -5046,7 +5064,7 @@
             </p:txBody>
           </p:sp>
         </mc:Choice>
-        <mc:Fallback>
+        <mc:Fallback xmlns="">
           <p:sp>
             <p:nvSpPr>
               <p:cNvPr id="7" name="TextBox 6">
@@ -5091,8 +5109,8 @@
           </p:sp>
         </mc:Fallback>
       </mc:AlternateContent>
-      <mc:AlternateContent xmlns:mc="http://schemas.openxmlformats.org/markup-compatibility/2006">
-        <mc:Choice xmlns:a14="http://schemas.microsoft.com/office/drawing/2010/main" Requires="a14">
+      <mc:AlternateContent xmlns:mc="http://schemas.openxmlformats.org/markup-compatibility/2006" xmlns:a14="http://schemas.microsoft.com/office/drawing/2010/main">
+        <mc:Choice Requires="a14">
           <p:sp>
             <p:nvSpPr>
               <p:cNvPr id="12" name="TextBox 11">
@@ -5121,6 +5139,7 @@
               </a:bodyPr>
               <a:lstStyle/>
               <a:p>
+                <a:pPr/>
                 <a14:m>
                   <m:oMathPara xmlns:m="http://schemas.openxmlformats.org/officeDocument/2006/math">
                     <m:oMathParaPr>
@@ -5203,7 +5222,7 @@
             </p:txBody>
           </p:sp>
         </mc:Choice>
-        <mc:Fallback>
+        <mc:Fallback xmlns="">
           <p:sp>
             <p:nvSpPr>
               <p:cNvPr id="12" name="TextBox 11">
@@ -5248,8 +5267,8 @@
           </p:sp>
         </mc:Fallback>
       </mc:AlternateContent>
-      <mc:AlternateContent xmlns:mc="http://schemas.openxmlformats.org/markup-compatibility/2006">
-        <mc:Choice xmlns:a14="http://schemas.microsoft.com/office/drawing/2010/main" Requires="a14">
+      <mc:AlternateContent xmlns:mc="http://schemas.openxmlformats.org/markup-compatibility/2006" xmlns:a14="http://schemas.microsoft.com/office/drawing/2010/main">
+        <mc:Choice Requires="a14">
           <p:sp>
             <p:nvSpPr>
               <p:cNvPr id="13" name="TextBox 12">
@@ -5278,6 +5297,7 @@
               </a:bodyPr>
               <a:lstStyle/>
               <a:p>
+                <a:pPr/>
                 <a14:m>
                   <m:oMathPara xmlns:m="http://schemas.openxmlformats.org/officeDocument/2006/math">
                     <m:oMathParaPr>
@@ -5367,7 +5387,7 @@
             </p:txBody>
           </p:sp>
         </mc:Choice>
-        <mc:Fallback>
+        <mc:Fallback xmlns="">
           <p:sp>
             <p:nvSpPr>
               <p:cNvPr id="13" name="TextBox 12">
@@ -5442,8 +5462,8 @@
           <a:chExt cx="0" cy="0"/>
         </a:xfrm>
       </p:grpSpPr>
-      <mc:AlternateContent xmlns:mc="http://schemas.openxmlformats.org/markup-compatibility/2006">
-        <mc:Choice xmlns:a14="http://schemas.microsoft.com/office/drawing/2010/main" Requires="a14">
+      <mc:AlternateContent xmlns:mc="http://schemas.openxmlformats.org/markup-compatibility/2006" xmlns:a14="http://schemas.microsoft.com/office/drawing/2010/main">
+        <mc:Choice Requires="a14">
           <p:sp>
             <p:nvSpPr>
               <p:cNvPr id="5" name="TextBox 4">
@@ -5472,6 +5492,7 @@
               </a:bodyPr>
               <a:lstStyle/>
               <a:p>
+                <a:pPr/>
                 <a14:m>
                   <m:oMathPara xmlns:m="http://schemas.openxmlformats.org/officeDocument/2006/math">
                     <m:oMathParaPr>
@@ -5583,7 +5604,7 @@
             </p:txBody>
           </p:sp>
         </mc:Choice>
-        <mc:Fallback>
+        <mc:Fallback xmlns="">
           <p:sp>
             <p:nvSpPr>
               <p:cNvPr id="5" name="TextBox 4">
@@ -5937,8 +5958,8 @@
           </a:prstGeom>
         </p:spPr>
       </p:pic>
-      <mc:AlternateContent xmlns:mc="http://schemas.openxmlformats.org/markup-compatibility/2006">
-        <mc:Choice xmlns:a14="http://schemas.microsoft.com/office/drawing/2010/main" Requires="a14">
+      <mc:AlternateContent xmlns:mc="http://schemas.openxmlformats.org/markup-compatibility/2006" xmlns:a14="http://schemas.microsoft.com/office/drawing/2010/main">
+        <mc:Choice Requires="a14">
           <p:sp>
             <p:nvSpPr>
               <p:cNvPr id="6" name="TextBox 5">
@@ -5967,6 +5988,7 @@
               </a:bodyPr>
               <a:lstStyle/>
               <a:p>
+                <a:pPr/>
                 <a14:m>
                   <m:oMathPara xmlns:m="http://schemas.openxmlformats.org/officeDocument/2006/math">
                     <m:oMathParaPr>
@@ -6005,7 +6027,7 @@
             </p:txBody>
           </p:sp>
         </mc:Choice>
-        <mc:Fallback>
+        <mc:Fallback xmlns="">
           <p:sp>
             <p:nvSpPr>
               <p:cNvPr id="6" name="TextBox 5">
@@ -6050,8 +6072,8 @@
           </p:sp>
         </mc:Fallback>
       </mc:AlternateContent>
-      <mc:AlternateContent xmlns:mc="http://schemas.openxmlformats.org/markup-compatibility/2006">
-        <mc:Choice xmlns:a14="http://schemas.microsoft.com/office/drawing/2010/main" Requires="a14">
+      <mc:AlternateContent xmlns:mc="http://schemas.openxmlformats.org/markup-compatibility/2006" xmlns:a14="http://schemas.microsoft.com/office/drawing/2010/main">
+        <mc:Choice Requires="a14">
           <p:sp>
             <p:nvSpPr>
               <p:cNvPr id="11" name="TextBox 10">
@@ -6080,6 +6102,7 @@
               </a:bodyPr>
               <a:lstStyle/>
               <a:p>
+                <a:pPr/>
                 <a14:m>
                   <m:oMathPara xmlns:m="http://schemas.openxmlformats.org/officeDocument/2006/math">
                     <m:oMathParaPr>
@@ -6119,7 +6142,7 @@
             </p:txBody>
           </p:sp>
         </mc:Choice>
-        <mc:Fallback>
+        <mc:Fallback xmlns="">
           <p:sp>
             <p:nvSpPr>
               <p:cNvPr id="11" name="TextBox 10">
@@ -6194,8 +6217,8 @@
           </a:prstGeom>
         </p:spPr>
       </p:pic>
-      <mc:AlternateContent xmlns:mc="http://schemas.openxmlformats.org/markup-compatibility/2006">
-        <mc:Choice xmlns:a14="http://schemas.microsoft.com/office/drawing/2010/main" Requires="a14">
+      <mc:AlternateContent xmlns:mc="http://schemas.openxmlformats.org/markup-compatibility/2006" xmlns:a14="http://schemas.microsoft.com/office/drawing/2010/main">
+        <mc:Choice Requires="a14">
           <p:sp>
             <p:nvSpPr>
               <p:cNvPr id="12" name="TextBox 11">
@@ -6224,6 +6247,7 @@
               </a:bodyPr>
               <a:lstStyle/>
               <a:p>
+                <a:pPr/>
                 <a14:m>
                   <m:oMathPara xmlns:m="http://schemas.openxmlformats.org/officeDocument/2006/math">
                     <m:oMathParaPr>
@@ -6263,7 +6287,7 @@
             </p:txBody>
           </p:sp>
         </mc:Choice>
-        <mc:Fallback>
+        <mc:Fallback xmlns="">
           <p:sp>
             <p:nvSpPr>
               <p:cNvPr id="12" name="TextBox 11">
@@ -6312,6 +6336,574 @@
     <p:extLst>
       <p:ext uri="{BB962C8B-B14F-4D97-AF65-F5344CB8AC3E}">
         <p14:creationId xmlns:p14="http://schemas.microsoft.com/office/powerpoint/2010/main" val="1442134500"/>
+      </p:ext>
+    </p:extLst>
+  </p:cSld>
+  <p:clrMapOvr>
+    <a:masterClrMapping/>
+  </p:clrMapOvr>
+</p:sld>
+</file>
+
+<file path=ppt/slides/slide8.xml><?xml version="1.0" encoding="utf-8"?>
+<p:sld xmlns:a="http://schemas.openxmlformats.org/drawingml/2006/main" xmlns:r="http://schemas.openxmlformats.org/officeDocument/2006/relationships" xmlns:p="http://schemas.openxmlformats.org/presentationml/2006/main">
+  <p:cSld>
+    <p:spTree>
+      <p:nvGrpSpPr>
+        <p:cNvPr id="1" name=""/>
+        <p:cNvGrpSpPr/>
+        <p:nvPr/>
+      </p:nvGrpSpPr>
+      <p:grpSpPr>
+        <a:xfrm>
+          <a:off x="0" y="0"/>
+          <a:ext cx="0" cy="0"/>
+          <a:chOff x="0" y="0"/>
+          <a:chExt cx="0" cy="0"/>
+        </a:xfrm>
+      </p:grpSpPr>
+      <mc:AlternateContent xmlns:mc="http://schemas.openxmlformats.org/markup-compatibility/2006">
+        <mc:Choice xmlns:a14="http://schemas.microsoft.com/office/drawing/2010/main" Requires="a14">
+          <p:sp>
+            <p:nvSpPr>
+              <p:cNvPr id="5" name="TextBox 4">
+                <a:extLst>
+                  <a:ext uri="{FF2B5EF4-FFF2-40B4-BE49-F238E27FC236}">
+                    <a16:creationId xmlns:a16="http://schemas.microsoft.com/office/drawing/2014/main" id="{453BE377-097B-9342-8CE3-9F577EF146D1}"/>
+                  </a:ext>
+                </a:extLst>
+              </p:cNvPr>
+              <p:cNvSpPr txBox="1"/>
+              <p:nvPr/>
+            </p:nvSpPr>
+            <p:spPr>
+              <a:xfrm>
+                <a:off x="1998783" y="1729154"/>
+                <a:ext cx="7992710" cy="1000980"/>
+              </a:xfrm>
+              <a:prstGeom prst="rect">
+                <a:avLst/>
+              </a:prstGeom>
+              <a:noFill/>
+            </p:spPr>
+            <p:txBody>
+              <a:bodyPr wrap="square" lIns="0" tIns="0" rIns="0" bIns="0" rtlCol="0">
+                <a:spAutoFit/>
+              </a:bodyPr>
+              <a:lstStyle/>
+              <a:p>
+                <a:pPr/>
+                <a14:m>
+                  <m:oMathPara xmlns:m="http://schemas.openxmlformats.org/officeDocument/2006/math">
+                    <m:oMathParaPr>
+                      <m:jc m:val="centerGroup"/>
+                    </m:oMathParaPr>
+                    <m:oMath xmlns:m="http://schemas.openxmlformats.org/officeDocument/2006/math">
+                      <m:sSup>
+                        <m:sSupPr>
+                          <m:ctrlPr>
+                            <a:rPr lang="en-US" sz="4400" b="0" i="1" smtClean="0">
+                              <a:latin typeface="Cambria Math" panose="02040503050406030204" pitchFamily="18" charset="0"/>
+                            </a:rPr>
+                          </m:ctrlPr>
+                        </m:sSupPr>
+                        <m:e>
+                          <m:r>
+                            <a:rPr lang="en-US" sz="4400" b="0" i="1" smtClean="0">
+                              <a:latin typeface="Cambria Math" panose="02040503050406030204" pitchFamily="18" charset="0"/>
+                            </a:rPr>
+                            <m:t>𝐹</m:t>
+                          </m:r>
+                        </m:e>
+                        <m:sup>
+                          <m:r>
+                            <a:rPr lang="en-US" sz="4400" b="0" i="1" smtClean="0">
+                              <a:latin typeface="Cambria Math" panose="02040503050406030204" pitchFamily="18" charset="0"/>
+                            </a:rPr>
+                            <m:t>∗</m:t>
+                          </m:r>
+                        </m:sup>
+                      </m:sSup>
+                      <m:r>
+                        <a:rPr lang="en-US" sz="4400" b="0" i="1" smtClean="0">
+                          <a:latin typeface="Cambria Math" panose="02040503050406030204" pitchFamily="18" charset="0"/>
+                        </a:rPr>
+                        <m:t>=</m:t>
+                      </m:r>
+                      <m:func>
+                        <m:funcPr>
+                          <m:ctrlPr>
+                            <a:rPr lang="en-US" sz="4400" b="0" i="1" smtClean="0">
+                              <a:latin typeface="Cambria Math" panose="02040503050406030204" pitchFamily="18" charset="0"/>
+                            </a:rPr>
+                          </m:ctrlPr>
+                        </m:funcPr>
+                        <m:fName>
+                          <m:limLow>
+                            <m:limLowPr>
+                              <m:ctrlPr>
+                                <a:rPr lang="en-US" sz="4400" b="0" i="1" smtClean="0">
+                                  <a:latin typeface="Cambria Math" panose="02040503050406030204" pitchFamily="18" charset="0"/>
+                                </a:rPr>
+                              </m:ctrlPr>
+                            </m:limLowPr>
+                            <m:e>
+                              <m:r>
+                                <m:rPr>
+                                  <m:sty m:val="p"/>
+                                </m:rPr>
+                                <a:rPr lang="en-US" sz="4400" b="0" i="0" smtClean="0">
+                                  <a:latin typeface="Cambria Math" panose="02040503050406030204" pitchFamily="18" charset="0"/>
+                                </a:rPr>
+                                <m:t>arg</m:t>
+                              </m:r>
+                              <m:r>
+                                <m:rPr>
+                                  <m:sty m:val="p"/>
+                                </m:rPr>
+                                <a:rPr lang="en-US" sz="4400" b="0" i="0" smtClean="0">
+                                  <a:latin typeface="Cambria Math" panose="02040503050406030204" pitchFamily="18" charset="0"/>
+                                </a:rPr>
+                                <m:t>min</m:t>
+                              </m:r>
+                            </m:e>
+                            <m:lim>
+                              <m:r>
+                                <a:rPr lang="en-US" sz="4400" b="0" i="1" smtClean="0">
+                                  <a:latin typeface="Cambria Math" panose="02040503050406030204" pitchFamily="18" charset="0"/>
+                                </a:rPr>
+                                <m:t>𝐹</m:t>
+                              </m:r>
+                            </m:lim>
+                          </m:limLow>
+                        </m:fName>
+                        <m:e>
+                          <m:sSub>
+                            <m:sSubPr>
+                              <m:ctrlPr>
+                                <a:rPr lang="en-US" sz="4400" b="0" i="1" smtClean="0">
+                                  <a:latin typeface="Cambria Math" panose="02040503050406030204" pitchFamily="18" charset="0"/>
+                                </a:rPr>
+                              </m:ctrlPr>
+                            </m:sSubPr>
+                            <m:e>
+                              <m:r>
+                                <a:rPr lang="en-US" sz="4400" b="0" i="1" smtClean="0">
+                                  <a:latin typeface="Cambria Math" panose="02040503050406030204" pitchFamily="18" charset="0"/>
+                                </a:rPr>
+                                <m:t>𝐸</m:t>
+                              </m:r>
+                            </m:e>
+                            <m:sub>
+                              <m:r>
+                                <a:rPr lang="en-US" sz="4400" b="0" i="1" smtClean="0">
+                                  <a:latin typeface="Cambria Math" panose="02040503050406030204" pitchFamily="18" charset="0"/>
+                                </a:rPr>
+                                <m:t>𝑦</m:t>
+                              </m:r>
+                              <m:r>
+                                <a:rPr lang="en-US" sz="4400" b="0" i="1" smtClean="0">
+                                  <a:latin typeface="Cambria Math" panose="02040503050406030204" pitchFamily="18" charset="0"/>
+                                </a:rPr>
+                                <m:t>,</m:t>
+                              </m:r>
+                              <m:r>
+                                <a:rPr lang="en-US" sz="4400" b="1" i="1" smtClean="0">
+                                  <a:latin typeface="Cambria Math" panose="02040503050406030204" pitchFamily="18" charset="0"/>
+                                </a:rPr>
+                                <m:t>𝒙</m:t>
+                              </m:r>
+                            </m:sub>
+                          </m:sSub>
+                        </m:e>
+                      </m:func>
+                      <m:r>
+                        <a:rPr lang="en-US" sz="4400" b="0" i="1" smtClean="0">
+                          <a:latin typeface="Cambria Math" panose="02040503050406030204" pitchFamily="18" charset="0"/>
+                        </a:rPr>
+                        <m:t>𝐿</m:t>
+                      </m:r>
+                      <m:r>
+                        <a:rPr lang="en-US" sz="4400" b="0" i="1" smtClean="0">
+                          <a:latin typeface="Cambria Math" panose="02040503050406030204" pitchFamily="18" charset="0"/>
+                        </a:rPr>
+                        <m:t>(</m:t>
+                      </m:r>
+                      <m:r>
+                        <a:rPr lang="en-US" sz="4400" b="0" i="1" smtClean="0">
+                          <a:latin typeface="Cambria Math" panose="02040503050406030204" pitchFamily="18" charset="0"/>
+                        </a:rPr>
+                        <m:t>𝑦</m:t>
+                      </m:r>
+                      <m:r>
+                        <a:rPr lang="en-US" sz="4400" b="0" i="1" smtClean="0">
+                          <a:latin typeface="Cambria Math" panose="02040503050406030204" pitchFamily="18" charset="0"/>
+                        </a:rPr>
+                        <m:t>,</m:t>
+                      </m:r>
+                      <m:r>
+                        <a:rPr lang="en-US" sz="4400" b="0" i="1" smtClean="0">
+                          <a:latin typeface="Cambria Math" panose="02040503050406030204" pitchFamily="18" charset="0"/>
+                        </a:rPr>
+                        <m:t>𝐹</m:t>
+                      </m:r>
+                      <m:r>
+                        <a:rPr lang="en-US" sz="4400" b="0" i="1" smtClean="0">
+                          <a:latin typeface="Cambria Math" panose="02040503050406030204" pitchFamily="18" charset="0"/>
+                        </a:rPr>
+                        <m:t>(</m:t>
+                      </m:r>
+                      <m:r>
+                        <a:rPr lang="en-US" sz="4400" b="1" i="1" smtClean="0">
+                          <a:latin typeface="Cambria Math" panose="02040503050406030204" pitchFamily="18" charset="0"/>
+                        </a:rPr>
+                        <m:t>𝒙</m:t>
+                      </m:r>
+                      <m:r>
+                        <a:rPr lang="en-US" sz="4400" b="0" i="1" smtClean="0">
+                          <a:latin typeface="Cambria Math" panose="02040503050406030204" pitchFamily="18" charset="0"/>
+                        </a:rPr>
+                        <m:t>))</m:t>
+                      </m:r>
+                    </m:oMath>
+                  </m:oMathPara>
+                </a14:m>
+                <a:endParaRPr lang="en-US" sz="4400" dirty="0"/>
+              </a:p>
+            </p:txBody>
+          </p:sp>
+        </mc:Choice>
+        <mc:Fallback>
+          <p:sp>
+            <p:nvSpPr>
+              <p:cNvPr id="5" name="TextBox 4">
+                <a:extLst>
+                  <a:ext uri="{FF2B5EF4-FFF2-40B4-BE49-F238E27FC236}">
+                    <a16:creationId xmlns:a16="http://schemas.microsoft.com/office/drawing/2014/main" id="{453BE377-097B-9342-8CE3-9F577EF146D1}"/>
+                  </a:ext>
+                </a:extLst>
+              </p:cNvPr>
+              <p:cNvSpPr txBox="1">
+                <a:spLocks noRot="1" noChangeAspect="1" noMove="1" noResize="1" noEditPoints="1" noAdjustHandles="1" noChangeArrowheads="1" noChangeShapeType="1" noTextEdit="1"/>
+              </p:cNvSpPr>
+              <p:nvPr/>
+            </p:nvSpPr>
+            <p:spPr>
+              <a:xfrm>
+                <a:off x="1998783" y="1729154"/>
+                <a:ext cx="7992710" cy="1000980"/>
+              </a:xfrm>
+              <a:prstGeom prst="rect">
+                <a:avLst/>
+              </a:prstGeom>
+              <a:blipFill>
+                <a:blip r:embed="rId2"/>
+                <a:stretch>
+                  <a:fillRect b="-12500"/>
+                </a:stretch>
+              </a:blipFill>
+            </p:spPr>
+            <p:txBody>
+              <a:bodyPr/>
+              <a:lstStyle/>
+              <a:p>
+                <a:r>
+                  <a:rPr lang="en-US">
+                    <a:noFill/>
+                  </a:rPr>
+                  <a:t> </a:t>
+                </a:r>
+              </a:p>
+            </p:txBody>
+          </p:sp>
+        </mc:Fallback>
+      </mc:AlternateContent>
+      <mc:AlternateContent xmlns:mc="http://schemas.openxmlformats.org/markup-compatibility/2006">
+        <mc:Choice xmlns:a14="http://schemas.microsoft.com/office/drawing/2010/main" Requires="a14">
+          <p:sp>
+            <p:nvSpPr>
+              <p:cNvPr id="3" name="TextBox 2">
+                <a:extLst>
+                  <a:ext uri="{FF2B5EF4-FFF2-40B4-BE49-F238E27FC236}">
+                    <a16:creationId xmlns:a16="http://schemas.microsoft.com/office/drawing/2014/main" id="{2F743E6A-D9D9-0C48-B93F-AACFF3800A77}"/>
+                  </a:ext>
+                </a:extLst>
+              </p:cNvPr>
+              <p:cNvSpPr txBox="1"/>
+              <p:nvPr/>
+            </p:nvSpPr>
+            <p:spPr>
+              <a:xfrm>
+                <a:off x="1452372" y="3688051"/>
+                <a:ext cx="9408915" cy="1903855"/>
+              </a:xfrm>
+              <a:prstGeom prst="rect">
+                <a:avLst/>
+              </a:prstGeom>
+              <a:noFill/>
+            </p:spPr>
+            <p:txBody>
+              <a:bodyPr wrap="square" lIns="0" tIns="0" rIns="0" bIns="0" rtlCol="0">
+                <a:spAutoFit/>
+              </a:bodyPr>
+              <a:lstStyle/>
+              <a:p>
+                <a:pPr/>
+                <a14:m>
+                  <m:oMathPara xmlns:m="http://schemas.openxmlformats.org/officeDocument/2006/math">
+                    <m:oMathParaPr>
+                      <m:jc m:val="centerGroup"/>
+                    </m:oMathParaPr>
+                    <m:oMath xmlns:m="http://schemas.openxmlformats.org/officeDocument/2006/math">
+                      <m:sSup>
+                        <m:sSupPr>
+                          <m:ctrlPr>
+                            <a:rPr lang="en-US" sz="4400" b="0" i="1" smtClean="0">
+                              <a:latin typeface="Cambria Math" panose="02040503050406030204" pitchFamily="18" charset="0"/>
+                            </a:rPr>
+                          </m:ctrlPr>
+                        </m:sSupPr>
+                        <m:e>
+                          <m:r>
+                            <a:rPr lang="en-US" sz="4400" b="0" i="1" smtClean="0">
+                              <a:latin typeface="Cambria Math" panose="02040503050406030204" pitchFamily="18" charset="0"/>
+                            </a:rPr>
+                            <m:t>𝐹</m:t>
+                          </m:r>
+                        </m:e>
+                        <m:sup>
+                          <m:r>
+                            <a:rPr lang="en-US" sz="4400" b="0" i="1" smtClean="0">
+                              <a:latin typeface="Cambria Math" panose="02040503050406030204" pitchFamily="18" charset="0"/>
+                            </a:rPr>
+                            <m:t>∗</m:t>
+                          </m:r>
+                        </m:sup>
+                      </m:sSup>
+                      <m:r>
+                        <a:rPr lang="en-US" sz="4400" b="0" i="1" smtClean="0">
+                          <a:latin typeface="Cambria Math" panose="02040503050406030204" pitchFamily="18" charset="0"/>
+                          <a:ea typeface="Cambria Math" panose="02040503050406030204" pitchFamily="18" charset="0"/>
+                        </a:rPr>
+                        <m:t>≈</m:t>
+                      </m:r>
+                      <m:func>
+                        <m:funcPr>
+                          <m:ctrlPr>
+                            <a:rPr lang="en-US" sz="4400" b="0" i="1" smtClean="0">
+                              <a:latin typeface="Cambria Math" panose="02040503050406030204" pitchFamily="18" charset="0"/>
+                            </a:rPr>
+                          </m:ctrlPr>
+                        </m:funcPr>
+                        <m:fName>
+                          <m:limLow>
+                            <m:limLowPr>
+                              <m:ctrlPr>
+                                <a:rPr lang="en-US" sz="4400" b="0" i="1" smtClean="0">
+                                  <a:latin typeface="Cambria Math" panose="02040503050406030204" pitchFamily="18" charset="0"/>
+                                </a:rPr>
+                              </m:ctrlPr>
+                            </m:limLowPr>
+                            <m:e>
+                              <m:r>
+                                <m:rPr>
+                                  <m:sty m:val="p"/>
+                                </m:rPr>
+                                <a:rPr lang="en-US" sz="4400" b="0" i="0" smtClean="0">
+                                  <a:latin typeface="Cambria Math" panose="02040503050406030204" pitchFamily="18" charset="0"/>
+                                </a:rPr>
+                                <m:t>arg</m:t>
+                              </m:r>
+                              <m:r>
+                                <m:rPr>
+                                  <m:sty m:val="p"/>
+                                </m:rPr>
+                                <a:rPr lang="en-US" sz="4400" b="0" i="0" smtClean="0">
+                                  <a:latin typeface="Cambria Math" panose="02040503050406030204" pitchFamily="18" charset="0"/>
+                                </a:rPr>
+                                <m:t>min</m:t>
+                              </m:r>
+                            </m:e>
+                            <m:lim>
+                              <m:r>
+                                <a:rPr lang="en-US" sz="4400" b="0" i="1" smtClean="0">
+                                  <a:latin typeface="Cambria Math" panose="02040503050406030204" pitchFamily="18" charset="0"/>
+                                </a:rPr>
+                                <m:t>𝐹</m:t>
+                              </m:r>
+                            </m:lim>
+                          </m:limLow>
+                        </m:fName>
+                        <m:e>
+                          <m:f>
+                            <m:fPr>
+                              <m:ctrlPr>
+                                <a:rPr lang="en-US" sz="4400" b="0" i="1" smtClean="0">
+                                  <a:latin typeface="Cambria Math" panose="02040503050406030204" pitchFamily="18" charset="0"/>
+                                </a:rPr>
+                              </m:ctrlPr>
+                            </m:fPr>
+                            <m:num>
+                              <m:r>
+                                <a:rPr lang="en-US" sz="4400" b="0" i="1" smtClean="0">
+                                  <a:latin typeface="Cambria Math" panose="02040503050406030204" pitchFamily="18" charset="0"/>
+                                </a:rPr>
+                                <m:t>1</m:t>
+                              </m:r>
+                            </m:num>
+                            <m:den>
+                              <m:r>
+                                <a:rPr lang="en-US" sz="4400" b="0" i="1" smtClean="0">
+                                  <a:latin typeface="Cambria Math" panose="02040503050406030204" pitchFamily="18" charset="0"/>
+                                </a:rPr>
+                                <m:t>𝑁</m:t>
+                              </m:r>
+                            </m:den>
+                          </m:f>
+                          <m:nary>
+                            <m:naryPr>
+                              <m:chr m:val="∑"/>
+                              <m:ctrlPr>
+                                <a:rPr lang="en-US" sz="4400" i="1">
+                                  <a:latin typeface="Cambria Math" panose="02040503050406030204" pitchFamily="18" charset="0"/>
+                                </a:rPr>
+                              </m:ctrlPr>
+                            </m:naryPr>
+                            <m:sub>
+                              <m:r>
+                                <m:rPr>
+                                  <m:brk m:alnAt="23"/>
+                                </m:rPr>
+                                <a:rPr lang="en-US" sz="4400" i="1">
+                                  <a:latin typeface="Cambria Math" panose="02040503050406030204" pitchFamily="18" charset="0"/>
+                                </a:rPr>
+                                <m:t>𝑖</m:t>
+                              </m:r>
+                              <m:r>
+                                <a:rPr lang="en-US" sz="4400" i="1">
+                                  <a:latin typeface="Cambria Math" panose="02040503050406030204" pitchFamily="18" charset="0"/>
+                                </a:rPr>
+                                <m:t>=1</m:t>
+                              </m:r>
+                            </m:sub>
+                            <m:sup>
+                              <m:r>
+                                <a:rPr lang="en-US" sz="4400" i="1">
+                                  <a:latin typeface="Cambria Math" panose="02040503050406030204" pitchFamily="18" charset="0"/>
+                                </a:rPr>
+                                <m:t>𝑁</m:t>
+                              </m:r>
+                            </m:sup>
+                            <m:e>
+                              <m:r>
+                                <a:rPr lang="en-US" sz="4400" i="1">
+                                  <a:latin typeface="Cambria Math" panose="02040503050406030204" pitchFamily="18" charset="0"/>
+                                </a:rPr>
+                                <m:t>𝐿</m:t>
+                              </m:r>
+                              <m:r>
+                                <a:rPr lang="en-US" sz="4400" i="1">
+                                  <a:latin typeface="Cambria Math" panose="02040503050406030204" pitchFamily="18" charset="0"/>
+                                </a:rPr>
+                                <m:t>(</m:t>
+                              </m:r>
+                              <m:r>
+                                <a:rPr lang="en-US" sz="4400" i="1">
+                                  <a:latin typeface="Cambria Math" panose="02040503050406030204" pitchFamily="18" charset="0"/>
+                                </a:rPr>
+                                <m:t>𝑦</m:t>
+                              </m:r>
+                              <m:r>
+                                <a:rPr lang="en-US" sz="4400" i="1">
+                                  <a:latin typeface="Cambria Math" panose="02040503050406030204" pitchFamily="18" charset="0"/>
+                                </a:rPr>
+                                <m:t>,</m:t>
+                              </m:r>
+                              <m:r>
+                                <a:rPr lang="en-US" sz="4400" i="1">
+                                  <a:latin typeface="Cambria Math" panose="02040503050406030204" pitchFamily="18" charset="0"/>
+                                </a:rPr>
+                                <m:t>𝐹</m:t>
+                              </m:r>
+                              <m:r>
+                                <a:rPr lang="en-US" sz="4400" i="1">
+                                  <a:latin typeface="Cambria Math" panose="02040503050406030204" pitchFamily="18" charset="0"/>
+                                </a:rPr>
+                                <m:t>(</m:t>
+                              </m:r>
+                              <m:r>
+                                <a:rPr lang="en-US" sz="4400" b="1" i="1">
+                                  <a:latin typeface="Cambria Math" panose="02040503050406030204" pitchFamily="18" charset="0"/>
+                                </a:rPr>
+                                <m:t>𝒙</m:t>
+                              </m:r>
+                              <m:r>
+                                <a:rPr lang="en-US" sz="4400" i="1">
+                                  <a:latin typeface="Cambria Math" panose="02040503050406030204" pitchFamily="18" charset="0"/>
+                                </a:rPr>
+                                <m:t>))</m:t>
+                              </m:r>
+                            </m:e>
+                          </m:nary>
+                        </m:e>
+                      </m:func>
+                    </m:oMath>
+                  </m:oMathPara>
+                </a14:m>
+                <a:endParaRPr lang="en-US" sz="4400" dirty="0"/>
+              </a:p>
+            </p:txBody>
+          </p:sp>
+        </mc:Choice>
+        <mc:Fallback>
+          <p:sp>
+            <p:nvSpPr>
+              <p:cNvPr id="3" name="TextBox 2">
+                <a:extLst>
+                  <a:ext uri="{FF2B5EF4-FFF2-40B4-BE49-F238E27FC236}">
+                    <a16:creationId xmlns:a16="http://schemas.microsoft.com/office/drawing/2014/main" id="{2F743E6A-D9D9-0C48-B93F-AACFF3800A77}"/>
+                  </a:ext>
+                </a:extLst>
+              </p:cNvPr>
+              <p:cNvSpPr txBox="1">
+                <a:spLocks noRot="1" noChangeAspect="1" noMove="1" noResize="1" noEditPoints="1" noAdjustHandles="1" noChangeArrowheads="1" noChangeShapeType="1" noTextEdit="1"/>
+              </p:cNvSpPr>
+              <p:nvPr/>
+            </p:nvSpPr>
+            <p:spPr>
+              <a:xfrm>
+                <a:off x="1452372" y="3688051"/>
+                <a:ext cx="9408915" cy="1903855"/>
+              </a:xfrm>
+              <a:prstGeom prst="rect">
+                <a:avLst/>
+              </a:prstGeom>
+              <a:blipFill>
+                <a:blip r:embed="rId3"/>
+                <a:stretch>
+                  <a:fillRect t="-113907" b="-175497"/>
+                </a:stretch>
+              </a:blipFill>
+            </p:spPr>
+            <p:txBody>
+              <a:bodyPr/>
+              <a:lstStyle/>
+              <a:p>
+                <a:r>
+                  <a:rPr lang="en-US">
+                    <a:noFill/>
+                  </a:rPr>
+                  <a:t> </a:t>
+                </a:r>
+              </a:p>
+            </p:txBody>
+          </p:sp>
+        </mc:Fallback>
+      </mc:AlternateContent>
+    </p:spTree>
+    <p:extLst>
+      <p:ext uri="{BB962C8B-B14F-4D97-AF65-F5344CB8AC3E}">
+        <p14:creationId xmlns:p14="http://schemas.microsoft.com/office/powerpoint/2010/main" val="593219027"/>
       </p:ext>
     </p:extLst>
   </p:cSld>
